--- a/01_视频教程/课堂PPT/3-3_使用物理按键代替触摸(groups).pptx
+++ b/01_视频教程/课堂PPT/3-3_使用物理按键代替触摸(groups).pptx
@@ -372,7 +372,7 @@
           <a:p>
             <a:fld id="{E317E137-ED4E-4D7C-9DD8-04B774B853BB}" type="datetimeFigureOut">
               <a:rPr lang="zh-CN" altLang="en-US" smtClean="0"/>
-              <a:t>2022/1/21</a:t>
+              <a:t>2022/2/11</a:t>
             </a:fld>
             <a:endParaRPr lang="zh-CN" altLang="en-US"/>
           </a:p>
@@ -570,7 +570,7 @@
           <a:p>
             <a:fld id="{E317E137-ED4E-4D7C-9DD8-04B774B853BB}" type="datetimeFigureOut">
               <a:rPr lang="zh-CN" altLang="en-US" smtClean="0"/>
-              <a:t>2022/1/21</a:t>
+              <a:t>2022/2/11</a:t>
             </a:fld>
             <a:endParaRPr lang="zh-CN" altLang="en-US"/>
           </a:p>
@@ -778,7 +778,7 @@
           <a:p>
             <a:fld id="{E317E137-ED4E-4D7C-9DD8-04B774B853BB}" type="datetimeFigureOut">
               <a:rPr lang="zh-CN" altLang="en-US" smtClean="0"/>
-              <a:t>2022/1/21</a:t>
+              <a:t>2022/2/11</a:t>
             </a:fld>
             <a:endParaRPr lang="zh-CN" altLang="en-US"/>
           </a:p>
@@ -976,7 +976,7 @@
           <a:p>
             <a:fld id="{E317E137-ED4E-4D7C-9DD8-04B774B853BB}" type="datetimeFigureOut">
               <a:rPr lang="zh-CN" altLang="en-US" smtClean="0"/>
-              <a:t>2022/1/21</a:t>
+              <a:t>2022/2/11</a:t>
             </a:fld>
             <a:endParaRPr lang="zh-CN" altLang="en-US"/>
           </a:p>
@@ -1251,7 +1251,7 @@
           <a:p>
             <a:fld id="{E317E137-ED4E-4D7C-9DD8-04B774B853BB}" type="datetimeFigureOut">
               <a:rPr lang="zh-CN" altLang="en-US" smtClean="0"/>
-              <a:t>2022/1/21</a:t>
+              <a:t>2022/2/11</a:t>
             </a:fld>
             <a:endParaRPr lang="zh-CN" altLang="en-US"/>
           </a:p>
@@ -1516,7 +1516,7 @@
           <a:p>
             <a:fld id="{E317E137-ED4E-4D7C-9DD8-04B774B853BB}" type="datetimeFigureOut">
               <a:rPr lang="zh-CN" altLang="en-US" smtClean="0"/>
-              <a:t>2022/1/21</a:t>
+              <a:t>2022/2/11</a:t>
             </a:fld>
             <a:endParaRPr lang="zh-CN" altLang="en-US"/>
           </a:p>
@@ -1928,7 +1928,7 @@
           <a:p>
             <a:fld id="{E317E137-ED4E-4D7C-9DD8-04B774B853BB}" type="datetimeFigureOut">
               <a:rPr lang="zh-CN" altLang="en-US" smtClean="0"/>
-              <a:t>2022/1/21</a:t>
+              <a:t>2022/2/11</a:t>
             </a:fld>
             <a:endParaRPr lang="zh-CN" altLang="en-US"/>
           </a:p>
@@ -2069,7 +2069,7 @@
           <a:p>
             <a:fld id="{E317E137-ED4E-4D7C-9DD8-04B774B853BB}" type="datetimeFigureOut">
               <a:rPr lang="zh-CN" altLang="en-US" smtClean="0"/>
-              <a:t>2022/1/21</a:t>
+              <a:t>2022/2/11</a:t>
             </a:fld>
             <a:endParaRPr lang="zh-CN" altLang="en-US"/>
           </a:p>
@@ -2182,7 +2182,7 @@
           <a:p>
             <a:fld id="{E317E137-ED4E-4D7C-9DD8-04B774B853BB}" type="datetimeFigureOut">
               <a:rPr lang="zh-CN" altLang="en-US" smtClean="0"/>
-              <a:t>2022/1/21</a:t>
+              <a:t>2022/2/11</a:t>
             </a:fld>
             <a:endParaRPr lang="zh-CN" altLang="en-US"/>
           </a:p>
@@ -2493,7 +2493,7 @@
           <a:p>
             <a:fld id="{E317E137-ED4E-4D7C-9DD8-04B774B853BB}" type="datetimeFigureOut">
               <a:rPr lang="zh-CN" altLang="en-US" smtClean="0"/>
-              <a:t>2022/1/21</a:t>
+              <a:t>2022/2/11</a:t>
             </a:fld>
             <a:endParaRPr lang="zh-CN" altLang="en-US"/>
           </a:p>
@@ -2781,7 +2781,7 @@
           <a:p>
             <a:fld id="{E317E137-ED4E-4D7C-9DD8-04B774B853BB}" type="datetimeFigureOut">
               <a:rPr lang="zh-CN" altLang="en-US" smtClean="0"/>
-              <a:t>2022/1/21</a:t>
+              <a:t>2022/2/11</a:t>
             </a:fld>
             <a:endParaRPr lang="zh-CN" altLang="en-US"/>
           </a:p>
@@ -3022,7 +3022,7 @@
           <a:p>
             <a:fld id="{E317E137-ED4E-4D7C-9DD8-04B774B853BB}" type="datetimeFigureOut">
               <a:rPr lang="zh-CN" altLang="en-US" smtClean="0"/>
-              <a:t>2022/1/21</a:t>
+              <a:t>2022/2/11</a:t>
             </a:fld>
             <a:endParaRPr lang="zh-CN" altLang="en-US"/>
           </a:p>
@@ -3951,7 +3951,7 @@
             </a:r>
             <a:r>
               <a:rPr lang="zh-CN" altLang="en-US" sz="2000"/>
-              <a:t>的呢？</a:t>
+              <a:t>并且做出回应的呢？</a:t>
             </a:r>
             <a:endParaRPr lang="en-US" altLang="zh-CN" sz="2000"/>
           </a:p>
@@ -8085,17 +8085,9 @@
           <a:p>
             <a:r>
               <a:rPr lang="zh-CN" altLang="en-US"/>
-              <a:t>组</a:t>
-            </a:r>
-            <a:r>
-              <a:rPr lang="en-US" altLang="zh-CN"/>
-              <a:t>(groups)</a:t>
-            </a:r>
-            <a:r>
-              <a:rPr lang="zh-CN" altLang="en-US"/>
-              <a:t>的初始化和默认应用过程</a:t>
-            </a:r>
-            <a:endParaRPr lang="zh-CN" altLang="en-US" dirty="0"/>
+              <a:t>按键控制的初始化、工作流程和使用</a:t>
+            </a:r>
+            <a:endParaRPr lang="en-US" altLang="zh-CN"/>
           </a:p>
         </p:txBody>
       </p:sp>
@@ -8115,8 +8107,8 @@
         </p:nvSpPr>
         <p:spPr>
           <a:xfrm>
-            <a:off x="926432" y="1643551"/>
-            <a:ext cx="11055036" cy="4964639"/>
+            <a:off x="926432" y="1367406"/>
+            <a:ext cx="11055036" cy="5490593"/>
           </a:xfrm>
           <a:prstGeom prst="rect">
             <a:avLst/>
@@ -8124,7 +8116,7 @@
         </p:spPr>
         <p:txBody>
           <a:bodyPr vert="horz" lIns="91440" tIns="45720" rIns="91440" bIns="45720" rtlCol="0">
-            <a:normAutofit/>
+            <a:normAutofit fontScale="92500" lnSpcReduction="10000"/>
           </a:bodyPr>
           <a:lstStyle>
             <a:lvl1pPr marL="228600" indent="-228600">
@@ -8230,6 +8222,39 @@
             </a:pPr>
             <a:r>
               <a:rPr lang="en-US" altLang="zh-CN" sz="1400"/>
+              <a:t>lv_init</a:t>
+            </a:r>
+          </a:p>
+          <a:p>
+            <a:pPr marL="0" indent="0">
+              <a:lnSpc>
+                <a:spcPct val="100000"/>
+              </a:lnSpc>
+              <a:buNone/>
+            </a:pPr>
+            <a:r>
+              <a:rPr lang="en-US" altLang="zh-CN" sz="1400"/>
+              <a:t>	_lv_group_init</a:t>
+            </a:r>
+          </a:p>
+          <a:p>
+            <a:pPr marL="0" indent="0">
+              <a:lnSpc>
+                <a:spcPct val="100000"/>
+              </a:lnSpc>
+              <a:buNone/>
+            </a:pPr>
+            <a:endParaRPr lang="en-US" altLang="zh-CN" sz="1400"/>
+          </a:p>
+          <a:p>
+            <a:pPr marL="0" indent="0">
+              <a:lnSpc>
+                <a:spcPct val="100000"/>
+              </a:lnSpc>
+              <a:buNone/>
+            </a:pPr>
+            <a:r>
+              <a:rPr lang="en-US" altLang="zh-CN" sz="1400"/>
               <a:t>lv_indev_drv_register</a:t>
             </a:r>
           </a:p>
@@ -8252,6 +8277,15 @@
               </a:lnSpc>
               <a:buNone/>
             </a:pPr>
+            <a:endParaRPr lang="en-US" altLang="zh-CN" sz="1400"/>
+          </a:p>
+          <a:p>
+            <a:pPr marL="0" indent="0">
+              <a:lnSpc>
+                <a:spcPct val="100000"/>
+              </a:lnSpc>
+              <a:buNone/>
+            </a:pPr>
             <a:r>
               <a:rPr lang="en-US" altLang="zh-CN" sz="1400"/>
               <a:t>lv_indev_read_timer_cb</a:t>
@@ -8266,7 +8300,7 @@
             </a:pPr>
             <a:r>
               <a:rPr lang="en-US" altLang="zh-CN" sz="1400"/>
-              <a:t>	_lv_indev_read(indev_act, &amp;data); // </a:t>
+              <a:t>	_lv_indev_read(indev_act, &amp;data); 	// </a:t>
             </a:r>
             <a:r>
               <a:rPr lang="zh-CN" altLang="en-US" sz="1400"/>
@@ -8326,8 +8360,9 @@
             </a:r>
             <a:r>
               <a:rPr lang="zh-CN" altLang="en-US" sz="1400"/>
-              <a:t>将按键事件类型发送到对象的基类，用户数据参数传递键值</a:t>
-            </a:r>
+              <a:t>发送处理按键事件，传递的参数是具体哪个按键	</a:t>
+            </a:r>
+            <a:endParaRPr lang="en-US" altLang="zh-CN" sz="1400"/>
           </a:p>
           <a:p>
             <a:pPr marL="0" indent="0">
@@ -8337,16 +8372,12 @@
               <a:buNone/>
             </a:pPr>
             <a:r>
+              <a:rPr lang="en-US" altLang="zh-CN" sz="1400"/>
+              <a:t>		lv_event_send(indev_obj_act, LV_EVENT_..., indev_act);  // </a:t>
+            </a:r>
+            <a:r>
               <a:rPr lang="zh-CN" altLang="en-US" sz="1400"/>
-              <a:t>		</a:t>
-            </a:r>
-            <a:r>
-              <a:rPr lang="en-US" altLang="zh-CN" sz="1400"/>
-              <a:t>lv_event_send(indev_obj_act, LV_EVENT_..., indev_act);  // </a:t>
-            </a:r>
-            <a:r>
-              <a:rPr lang="zh-CN" altLang="en-US" sz="1400"/>
-              <a:t>将对应的事件类型发送到对象</a:t>
+              <a:t>模拟对对象的操作，比如按下事件</a:t>
             </a:r>
             <a:endParaRPr lang="en-US" altLang="zh-CN" sz="1400"/>
           </a:p>
